--- a/docs/Презентация.pptx
+++ b/docs/Презентация.pptx
@@ -8,7 +8,11 @@
     <p:sldId id="256" r:id="rId2"/>
     <p:sldId id="259" r:id="rId3"/>
     <p:sldId id="257" r:id="rId4"/>
-    <p:sldId id="258" r:id="rId5"/>
+    <p:sldId id="260" r:id="rId5"/>
+    <p:sldId id="261" r:id="rId6"/>
+    <p:sldId id="262" r:id="rId7"/>
+    <p:sldId id="263" r:id="rId8"/>
+    <p:sldId id="258" r:id="rId9"/>
   </p:sldIdLst>
   <p:sldSz cx="9144000" cy="6858000" type="screen4x3"/>
   <p:notesSz cx="6858000" cy="9144000"/>
@@ -495,7 +499,7 @@
             <a:fld id="{5B106E36-FD25-4E2D-B0AA-010F637433A0}" type="datetimeFigureOut">
               <a:rPr lang="ru-RU" smtClean="0"/>
               <a:pPr/>
-              <a:t>11.01.2022</a:t>
+              <a:t>22.01.2022</a:t>
             </a:fld>
             <a:endParaRPr lang="ru-RU"/>
           </a:p>
@@ -662,7 +666,7 @@
             <a:fld id="{5B106E36-FD25-4E2D-B0AA-010F637433A0}" type="datetimeFigureOut">
               <a:rPr lang="ru-RU" smtClean="0"/>
               <a:pPr/>
-              <a:t>11.01.2022</a:t>
+              <a:t>22.01.2022</a:t>
             </a:fld>
             <a:endParaRPr lang="ru-RU"/>
           </a:p>
@@ -839,7 +843,7 @@
             <a:fld id="{5B106E36-FD25-4E2D-B0AA-010F637433A0}" type="datetimeFigureOut">
               <a:rPr lang="ru-RU" smtClean="0"/>
               <a:pPr/>
-              <a:t>11.01.2022</a:t>
+              <a:t>22.01.2022</a:t>
             </a:fld>
             <a:endParaRPr lang="ru-RU"/>
           </a:p>
@@ -1010,7 +1014,7 @@
             <a:fld id="{5B106E36-FD25-4E2D-B0AA-010F637433A0}" type="datetimeFigureOut">
               <a:rPr lang="ru-RU" smtClean="0"/>
               <a:pPr/>
-              <a:t>11.01.2022</a:t>
+              <a:t>22.01.2022</a:t>
             </a:fld>
             <a:endParaRPr lang="ru-RU"/>
           </a:p>
@@ -1467,7 +1471,7 @@
             <a:fld id="{5B106E36-FD25-4E2D-B0AA-010F637433A0}" type="datetimeFigureOut">
               <a:rPr lang="ru-RU" smtClean="0"/>
               <a:pPr/>
-              <a:t>11.01.2022</a:t>
+              <a:t>22.01.2022</a:t>
             </a:fld>
             <a:endParaRPr lang="ru-RU"/>
           </a:p>
@@ -1733,7 +1737,7 @@
             <a:fld id="{5B106E36-FD25-4E2D-B0AA-010F637433A0}" type="datetimeFigureOut">
               <a:rPr lang="ru-RU" smtClean="0"/>
               <a:pPr/>
-              <a:t>11.01.2022</a:t>
+              <a:t>22.01.2022</a:t>
             </a:fld>
             <a:endParaRPr lang="ru-RU"/>
           </a:p>
@@ -2109,7 +2113,7 @@
             <a:fld id="{5B106E36-FD25-4E2D-B0AA-010F637433A0}" type="datetimeFigureOut">
               <a:rPr lang="ru-RU" smtClean="0"/>
               <a:pPr/>
-              <a:t>11.01.2022</a:t>
+              <a:t>22.01.2022</a:t>
             </a:fld>
             <a:endParaRPr lang="ru-RU"/>
           </a:p>
@@ -2233,7 +2237,7 @@
             <a:fld id="{5B106E36-FD25-4E2D-B0AA-010F637433A0}" type="datetimeFigureOut">
               <a:rPr lang="ru-RU" smtClean="0"/>
               <a:pPr/>
-              <a:t>11.01.2022</a:t>
+              <a:t>22.01.2022</a:t>
             </a:fld>
             <a:endParaRPr lang="ru-RU"/>
           </a:p>
@@ -2325,7 +2329,7 @@
             <a:fld id="{5B106E36-FD25-4E2D-B0AA-010F637433A0}" type="datetimeFigureOut">
               <a:rPr lang="ru-RU" smtClean="0"/>
               <a:pPr/>
-              <a:t>11.01.2022</a:t>
+              <a:t>22.01.2022</a:t>
             </a:fld>
             <a:endParaRPr lang="ru-RU"/>
           </a:p>
@@ -2576,7 +2580,7 @@
             <a:fld id="{5B106E36-FD25-4E2D-B0AA-010F637433A0}" type="datetimeFigureOut">
               <a:rPr lang="ru-RU" smtClean="0"/>
               <a:pPr/>
-              <a:t>11.01.2022</a:t>
+              <a:t>22.01.2022</a:t>
             </a:fld>
             <a:endParaRPr lang="ru-RU"/>
           </a:p>
@@ -2837,7 +2841,7 @@
             <a:fld id="{5B106E36-FD25-4E2D-B0AA-010F637433A0}" type="datetimeFigureOut">
               <a:rPr lang="ru-RU" smtClean="0"/>
               <a:pPr/>
-              <a:t>11.01.2022</a:t>
+              <a:t>22.01.2022</a:t>
             </a:fld>
             <a:endParaRPr lang="ru-RU"/>
           </a:p>
@@ -3243,7 +3247,7 @@
             <a:fld id="{5B106E36-FD25-4E2D-B0AA-010F637433A0}" type="datetimeFigureOut">
               <a:rPr lang="ru-RU" smtClean="0"/>
               <a:pPr/>
-              <a:t>11.01.2022</a:t>
+              <a:t>22.01.2022</a:t>
             </a:fld>
             <a:endParaRPr lang="ru-RU"/>
           </a:p>
@@ -4879,6 +4883,592 @@
 </file>
 
 <file path=ppt/slides/slide4.xml><?xml version="1.0" encoding="utf-8"?>
+<p:sld xmlns:a="http://schemas.openxmlformats.org/drawingml/2006/main" xmlns:r="http://schemas.openxmlformats.org/officeDocument/2006/relationships" xmlns:p="http://schemas.openxmlformats.org/presentationml/2006/main">
+  <p:cSld>
+    <p:spTree>
+      <p:nvGrpSpPr>
+        <p:cNvPr id="1" name=""/>
+        <p:cNvGrpSpPr/>
+        <p:nvPr/>
+      </p:nvGrpSpPr>
+      <p:grpSpPr>
+        <a:xfrm>
+          <a:off x="0" y="0"/>
+          <a:ext cx="0" cy="0"/>
+          <a:chOff x="0" y="0"/>
+          <a:chExt cx="0" cy="0"/>
+        </a:xfrm>
+      </p:grpSpPr>
+      <p:sp>
+        <p:nvSpPr>
+          <p:cNvPr id="2" name="Заголовок 1"/>
+          <p:cNvSpPr>
+            <a:spLocks noGrp="1"/>
+          </p:cNvSpPr>
+          <p:nvPr>
+            <p:ph type="title"/>
+          </p:nvPr>
+        </p:nvSpPr>
+        <p:spPr>
+          <a:xfrm>
+            <a:off x="500034" y="0"/>
+            <a:ext cx="7467600" cy="1143000"/>
+          </a:xfrm>
+        </p:spPr>
+        <p:txBody>
+          <a:bodyPr>
+            <a:normAutofit/>
+          </a:bodyPr>
+          <a:lstStyle/>
+          <a:p>
+            <a:pPr algn="r"/>
+            <a:r>
+              <a:rPr lang="en-US" sz="4000" dirty="0" smtClean="0">
+                <a:latin typeface="Bahnschrift Light Condensed" pitchFamily="34" charset="0"/>
+              </a:rPr>
+              <a:t>Knight</a:t>
+            </a:r>
+            <a:endParaRPr lang="ru-RU" sz="4000" dirty="0">
+              <a:latin typeface="Bahnschrift Light Condensed" pitchFamily="34" charset="0"/>
+            </a:endParaRPr>
+          </a:p>
+        </p:txBody>
+      </p:sp>
+      <p:pic>
+        <p:nvPicPr>
+          <p:cNvPr id="1026" name="Picture 2"/>
+          <p:cNvPicPr>
+            <a:picLocks noChangeAspect="1" noChangeArrowheads="1"/>
+          </p:cNvPicPr>
+          <p:nvPr/>
+        </p:nvPicPr>
+        <p:blipFill>
+          <a:blip r:embed="rId2"/>
+          <a:srcRect/>
+          <a:stretch>
+            <a:fillRect/>
+          </a:stretch>
+        </p:blipFill>
+        <p:spPr bwMode="auto">
+          <a:xfrm>
+            <a:off x="214282" y="0"/>
+            <a:ext cx="3786182" cy="3834708"/>
+          </a:xfrm>
+          <a:prstGeom prst="rect">
+            <a:avLst/>
+          </a:prstGeom>
+          <a:noFill/>
+          <a:ln w="9525">
+            <a:noFill/>
+            <a:miter lim="800000"/>
+            <a:headEnd/>
+            <a:tailEnd/>
+          </a:ln>
+          <a:effectLst/>
+        </p:spPr>
+      </p:pic>
+      <p:pic>
+        <p:nvPicPr>
+          <p:cNvPr id="1027" name="Picture 3"/>
+          <p:cNvPicPr>
+            <a:picLocks noChangeAspect="1" noChangeArrowheads="1"/>
+          </p:cNvPicPr>
+          <p:nvPr/>
+        </p:nvPicPr>
+        <p:blipFill>
+          <a:blip r:embed="rId3"/>
+          <a:srcRect/>
+          <a:stretch>
+            <a:fillRect/>
+          </a:stretch>
+        </p:blipFill>
+        <p:spPr bwMode="auto">
+          <a:xfrm>
+            <a:off x="1928794" y="3714728"/>
+            <a:ext cx="6701708" cy="3143272"/>
+          </a:xfrm>
+          <a:prstGeom prst="rect">
+            <a:avLst/>
+          </a:prstGeom>
+          <a:noFill/>
+          <a:ln w="9525">
+            <a:noFill/>
+            <a:miter lim="800000"/>
+            <a:headEnd/>
+            <a:tailEnd/>
+          </a:ln>
+          <a:effectLst/>
+        </p:spPr>
+      </p:pic>
+      <p:sp>
+        <p:nvSpPr>
+          <p:cNvPr id="6" name="Прямоугольник 5"/>
+          <p:cNvSpPr/>
+          <p:nvPr/>
+        </p:nvSpPr>
+        <p:spPr>
+          <a:xfrm>
+            <a:off x="4000496" y="3143248"/>
+            <a:ext cx="4791696" cy="369332"/>
+          </a:xfrm>
+          <a:prstGeom prst="rect">
+            <a:avLst/>
+          </a:prstGeom>
+        </p:spPr>
+        <p:txBody>
+          <a:bodyPr wrap="none">
+            <a:spAutoFit/>
+          </a:bodyPr>
+          <a:lstStyle/>
+          <a:p>
+            <a:r>
+              <a:rPr lang="ru-RU" dirty="0" smtClean="0">
+                <a:latin typeface="Bahnschrift Light Condensed" pitchFamily="34" charset="0"/>
+              </a:rPr>
+              <a:t>Методы, отвечающие за анимацию рыцаря и его движение</a:t>
+            </a:r>
+            <a:endParaRPr lang="ru-RU" dirty="0"/>
+          </a:p>
+        </p:txBody>
+      </p:sp>
+    </p:spTree>
+  </p:cSld>
+  <p:clrMapOvr>
+    <a:masterClrMapping/>
+  </p:clrMapOvr>
+  <p:timing>
+    <p:tnLst>
+      <p:par>
+        <p:cTn id="1" dur="indefinite" restart="never" nodeType="tmRoot"/>
+      </p:par>
+    </p:tnLst>
+  </p:timing>
+</p:sld>
+</file>
+
+<file path=ppt/slides/slide5.xml><?xml version="1.0" encoding="utf-8"?>
+<p:sld xmlns:a="http://schemas.openxmlformats.org/drawingml/2006/main" xmlns:r="http://schemas.openxmlformats.org/officeDocument/2006/relationships" xmlns:p="http://schemas.openxmlformats.org/presentationml/2006/main">
+  <p:cSld>
+    <p:spTree>
+      <p:nvGrpSpPr>
+        <p:cNvPr id="1" name=""/>
+        <p:cNvGrpSpPr/>
+        <p:nvPr/>
+      </p:nvGrpSpPr>
+      <p:grpSpPr>
+        <a:xfrm>
+          <a:off x="0" y="0"/>
+          <a:ext cx="0" cy="0"/>
+          <a:chOff x="0" y="0"/>
+          <a:chExt cx="0" cy="0"/>
+        </a:xfrm>
+      </p:grpSpPr>
+      <p:sp>
+        <p:nvSpPr>
+          <p:cNvPr id="2" name="Заголовок 1"/>
+          <p:cNvSpPr>
+            <a:spLocks noGrp="1"/>
+          </p:cNvSpPr>
+          <p:nvPr>
+            <p:ph type="title"/>
+          </p:nvPr>
+        </p:nvSpPr>
+        <p:spPr>
+          <a:xfrm>
+            <a:off x="571472" y="285728"/>
+            <a:ext cx="7467600" cy="1143000"/>
+          </a:xfrm>
+        </p:spPr>
+        <p:txBody>
+          <a:bodyPr>
+            <a:normAutofit/>
+          </a:bodyPr>
+          <a:lstStyle/>
+          <a:p>
+            <a:pPr algn="r"/>
+            <a:r>
+              <a:rPr lang="en-US" sz="4000" dirty="0" smtClean="0">
+                <a:latin typeface="Bahnschrift Light Condensed" pitchFamily="34" charset="0"/>
+              </a:rPr>
+              <a:t>Enemy</a:t>
+            </a:r>
+            <a:endParaRPr lang="ru-RU" sz="4000" dirty="0">
+              <a:latin typeface="Bahnschrift Light Condensed" pitchFamily="34" charset="0"/>
+            </a:endParaRPr>
+          </a:p>
+        </p:txBody>
+      </p:sp>
+      <p:pic>
+        <p:nvPicPr>
+          <p:cNvPr id="2050" name="Picture 2"/>
+          <p:cNvPicPr>
+            <a:picLocks noChangeAspect="1" noChangeArrowheads="1"/>
+          </p:cNvPicPr>
+          <p:nvPr/>
+        </p:nvPicPr>
+        <p:blipFill>
+          <a:blip r:embed="rId2"/>
+          <a:srcRect/>
+          <a:stretch>
+            <a:fillRect/>
+          </a:stretch>
+        </p:blipFill>
+        <p:spPr bwMode="auto">
+          <a:xfrm>
+            <a:off x="1428728" y="1500174"/>
+            <a:ext cx="5857884" cy="4513452"/>
+          </a:xfrm>
+          <a:prstGeom prst="rect">
+            <a:avLst/>
+          </a:prstGeom>
+          <a:noFill/>
+          <a:ln w="9525">
+            <a:noFill/>
+            <a:miter lim="800000"/>
+            <a:headEnd/>
+            <a:tailEnd/>
+          </a:ln>
+          <a:effectLst/>
+        </p:spPr>
+      </p:pic>
+      <p:sp>
+        <p:nvSpPr>
+          <p:cNvPr id="5" name="Прямоугольник 4"/>
+          <p:cNvSpPr/>
+          <p:nvPr/>
+        </p:nvSpPr>
+        <p:spPr>
+          <a:xfrm>
+            <a:off x="3286116" y="6143644"/>
+            <a:ext cx="2071401" cy="369332"/>
+          </a:xfrm>
+          <a:prstGeom prst="rect">
+            <a:avLst/>
+          </a:prstGeom>
+        </p:spPr>
+        <p:txBody>
+          <a:bodyPr wrap="none">
+            <a:spAutoFit/>
+          </a:bodyPr>
+          <a:lstStyle/>
+          <a:p>
+            <a:r>
+              <a:rPr lang="ru-RU" dirty="0" smtClean="0">
+                <a:latin typeface="Bahnschrift Light Condensed" pitchFamily="34" charset="0"/>
+              </a:rPr>
+              <a:t>Метод нахождения пути</a:t>
+            </a:r>
+            <a:endParaRPr lang="ru-RU" dirty="0"/>
+          </a:p>
+        </p:txBody>
+      </p:sp>
+    </p:spTree>
+  </p:cSld>
+  <p:clrMapOvr>
+    <a:masterClrMapping/>
+  </p:clrMapOvr>
+  <p:timing>
+    <p:tnLst>
+      <p:par>
+        <p:cTn id="1" dur="indefinite" restart="never" nodeType="tmRoot"/>
+      </p:par>
+    </p:tnLst>
+  </p:timing>
+</p:sld>
+</file>
+
+<file path=ppt/slides/slide6.xml><?xml version="1.0" encoding="utf-8"?>
+<p:sld xmlns:a="http://schemas.openxmlformats.org/drawingml/2006/main" xmlns:r="http://schemas.openxmlformats.org/officeDocument/2006/relationships" xmlns:p="http://schemas.openxmlformats.org/presentationml/2006/main">
+  <p:cSld>
+    <p:spTree>
+      <p:nvGrpSpPr>
+        <p:cNvPr id="1" name=""/>
+        <p:cNvGrpSpPr/>
+        <p:nvPr/>
+      </p:nvGrpSpPr>
+      <p:grpSpPr>
+        <a:xfrm>
+          <a:off x="0" y="0"/>
+          <a:ext cx="0" cy="0"/>
+          <a:chOff x="0" y="0"/>
+          <a:chExt cx="0" cy="0"/>
+        </a:xfrm>
+      </p:grpSpPr>
+      <p:sp>
+        <p:nvSpPr>
+          <p:cNvPr id="2" name="Заголовок 1"/>
+          <p:cNvSpPr>
+            <a:spLocks noGrp="1"/>
+          </p:cNvSpPr>
+          <p:nvPr>
+            <p:ph type="title"/>
+          </p:nvPr>
+        </p:nvSpPr>
+        <p:spPr>
+          <a:xfrm>
+            <a:off x="642910" y="285728"/>
+            <a:ext cx="7467600" cy="1143000"/>
+          </a:xfrm>
+        </p:spPr>
+        <p:txBody>
+          <a:bodyPr>
+            <a:normAutofit/>
+          </a:bodyPr>
+          <a:lstStyle/>
+          <a:p>
+            <a:pPr algn="r"/>
+            <a:r>
+              <a:rPr lang="en-US" sz="4000" dirty="0" smtClean="0">
+                <a:latin typeface="Bahnschrift Light Condensed" pitchFamily="34" charset="0"/>
+              </a:rPr>
+              <a:t>Gun</a:t>
+            </a:r>
+            <a:endParaRPr lang="ru-RU" sz="4000" dirty="0">
+              <a:latin typeface="Bahnschrift Light Condensed" pitchFamily="34" charset="0"/>
+            </a:endParaRPr>
+          </a:p>
+        </p:txBody>
+      </p:sp>
+      <p:pic>
+        <p:nvPicPr>
+          <p:cNvPr id="3074" name="Picture 2"/>
+          <p:cNvPicPr>
+            <a:picLocks noChangeAspect="1" noChangeArrowheads="1"/>
+          </p:cNvPicPr>
+          <p:nvPr/>
+        </p:nvPicPr>
+        <p:blipFill>
+          <a:blip r:embed="rId2"/>
+          <a:srcRect/>
+          <a:stretch>
+            <a:fillRect/>
+          </a:stretch>
+        </p:blipFill>
+        <p:spPr bwMode="auto">
+          <a:xfrm>
+            <a:off x="285720" y="1214422"/>
+            <a:ext cx="6162105" cy="4442448"/>
+          </a:xfrm>
+          <a:prstGeom prst="rect">
+            <a:avLst/>
+          </a:prstGeom>
+          <a:noFill/>
+          <a:ln w="9525">
+            <a:noFill/>
+            <a:miter lim="800000"/>
+            <a:headEnd/>
+            <a:tailEnd/>
+          </a:ln>
+          <a:effectLst/>
+        </p:spPr>
+      </p:pic>
+      <p:sp>
+        <p:nvSpPr>
+          <p:cNvPr id="5" name="Прямоугольник 4"/>
+          <p:cNvSpPr/>
+          <p:nvPr/>
+        </p:nvSpPr>
+        <p:spPr>
+          <a:xfrm>
+            <a:off x="1000100" y="5786454"/>
+            <a:ext cx="4296369" cy="369332"/>
+          </a:xfrm>
+          <a:prstGeom prst="rect">
+            <a:avLst/>
+          </a:prstGeom>
+        </p:spPr>
+        <p:txBody>
+          <a:bodyPr wrap="none">
+            <a:spAutoFit/>
+          </a:bodyPr>
+          <a:lstStyle/>
+          <a:p>
+            <a:r>
+              <a:rPr lang="ru-RU" dirty="0" smtClean="0">
+                <a:latin typeface="Bahnschrift Light Condensed" pitchFamily="34" charset="0"/>
+              </a:rPr>
+              <a:t>Метод </a:t>
+            </a:r>
+            <a:r>
+              <a:rPr lang="ru-RU" dirty="0" err="1" smtClean="0">
+                <a:latin typeface="Bahnschrift Light Condensed" pitchFamily="34" charset="0"/>
+              </a:rPr>
+              <a:t>отрисовки</a:t>
+            </a:r>
+            <a:r>
+              <a:rPr lang="ru-RU" dirty="0" smtClean="0">
+                <a:latin typeface="Bahnschrift Light Condensed" pitchFamily="34" charset="0"/>
+              </a:rPr>
+              <a:t> оружия дальнего боя (для рыцаря)</a:t>
+            </a:r>
+            <a:endParaRPr lang="ru-RU" dirty="0"/>
+          </a:p>
+        </p:txBody>
+      </p:sp>
+    </p:spTree>
+  </p:cSld>
+  <p:clrMapOvr>
+    <a:masterClrMapping/>
+  </p:clrMapOvr>
+  <p:timing>
+    <p:tnLst>
+      <p:par>
+        <p:cTn id="1" dur="indefinite" restart="never" nodeType="tmRoot"/>
+      </p:par>
+    </p:tnLst>
+  </p:timing>
+</p:sld>
+</file>
+
+<file path=ppt/slides/slide7.xml><?xml version="1.0" encoding="utf-8"?>
+<p:sld xmlns:a="http://schemas.openxmlformats.org/drawingml/2006/main" xmlns:r="http://schemas.openxmlformats.org/officeDocument/2006/relationships" xmlns:p="http://schemas.openxmlformats.org/presentationml/2006/main">
+  <p:cSld>
+    <p:spTree>
+      <p:nvGrpSpPr>
+        <p:cNvPr id="1" name=""/>
+        <p:cNvGrpSpPr/>
+        <p:nvPr/>
+      </p:nvGrpSpPr>
+      <p:grpSpPr>
+        <a:xfrm>
+          <a:off x="0" y="0"/>
+          <a:ext cx="0" cy="0"/>
+          <a:chOff x="0" y="0"/>
+          <a:chExt cx="0" cy="0"/>
+        </a:xfrm>
+      </p:grpSpPr>
+      <p:sp>
+        <p:nvSpPr>
+          <p:cNvPr id="2" name="Заголовок 1"/>
+          <p:cNvSpPr>
+            <a:spLocks noGrp="1"/>
+          </p:cNvSpPr>
+          <p:nvPr>
+            <p:ph type="title"/>
+          </p:nvPr>
+        </p:nvSpPr>
+        <p:spPr>
+          <a:xfrm>
+            <a:off x="1000100" y="285728"/>
+            <a:ext cx="7467600" cy="1143000"/>
+          </a:xfrm>
+        </p:spPr>
+        <p:txBody>
+          <a:bodyPr>
+            <a:normAutofit/>
+          </a:bodyPr>
+          <a:lstStyle/>
+          <a:p>
+            <a:pPr algn="r"/>
+            <a:r>
+              <a:rPr lang="en-US" sz="4000" dirty="0" smtClean="0">
+                <a:latin typeface="Bahnschrift Light Condensed" pitchFamily="34" charset="0"/>
+              </a:rPr>
+              <a:t>Shotgun</a:t>
+            </a:r>
+            <a:endParaRPr lang="ru-RU" sz="4000" dirty="0">
+              <a:latin typeface="Bahnschrift Light Condensed" pitchFamily="34" charset="0"/>
+            </a:endParaRPr>
+          </a:p>
+        </p:txBody>
+      </p:sp>
+      <p:pic>
+        <p:nvPicPr>
+          <p:cNvPr id="4098" name="Picture 2"/>
+          <p:cNvPicPr>
+            <a:picLocks noChangeAspect="1" noChangeArrowheads="1"/>
+          </p:cNvPicPr>
+          <p:nvPr/>
+        </p:nvPicPr>
+        <p:blipFill>
+          <a:blip r:embed="rId2"/>
+          <a:srcRect/>
+          <a:stretch>
+            <a:fillRect/>
+          </a:stretch>
+        </p:blipFill>
+        <p:spPr bwMode="auto">
+          <a:xfrm>
+            <a:off x="642910" y="785794"/>
+            <a:ext cx="5828119" cy="5029208"/>
+          </a:xfrm>
+          <a:prstGeom prst="rect">
+            <a:avLst/>
+          </a:prstGeom>
+          <a:noFill/>
+          <a:ln w="9525">
+            <a:noFill/>
+            <a:miter lim="800000"/>
+            <a:headEnd/>
+            <a:tailEnd/>
+          </a:ln>
+          <a:effectLst/>
+        </p:spPr>
+      </p:pic>
+      <p:sp>
+        <p:nvSpPr>
+          <p:cNvPr id="5" name="Прямоугольник 4"/>
+          <p:cNvSpPr/>
+          <p:nvPr/>
+        </p:nvSpPr>
+        <p:spPr>
+          <a:xfrm>
+            <a:off x="1428728" y="5929330"/>
+            <a:ext cx="4317207" cy="369332"/>
+          </a:xfrm>
+          <a:prstGeom prst="rect">
+            <a:avLst/>
+          </a:prstGeom>
+        </p:spPr>
+        <p:txBody>
+          <a:bodyPr wrap="none">
+            <a:spAutoFit/>
+          </a:bodyPr>
+          <a:lstStyle/>
+          <a:p>
+            <a:r>
+              <a:rPr lang="ru-RU" dirty="0" smtClean="0">
+                <a:latin typeface="Bahnschrift Light Condensed" pitchFamily="34" charset="0"/>
+              </a:rPr>
+              <a:t>Метод </a:t>
+            </a:r>
+            <a:r>
+              <a:rPr lang="ru-RU" dirty="0" err="1" smtClean="0">
+                <a:latin typeface="Bahnschrift Light Condensed" pitchFamily="34" charset="0"/>
+              </a:rPr>
+              <a:t>отрисовки</a:t>
+            </a:r>
+            <a:r>
+              <a:rPr lang="ru-RU" dirty="0" smtClean="0">
+                <a:latin typeface="Bahnschrift Light Condensed" pitchFamily="34" charset="0"/>
+              </a:rPr>
+              <a:t> оружия </a:t>
+            </a:r>
+            <a:r>
+              <a:rPr lang="ru-RU" dirty="0" smtClean="0">
+                <a:latin typeface="Bahnschrift Light Condensed" pitchFamily="34" charset="0"/>
+              </a:rPr>
+              <a:t>ближнего </a:t>
+            </a:r>
+            <a:r>
+              <a:rPr lang="ru-RU" dirty="0" smtClean="0">
+                <a:latin typeface="Bahnschrift Light Condensed" pitchFamily="34" charset="0"/>
+              </a:rPr>
+              <a:t>боя (для рыцаря)</a:t>
+            </a:r>
+            <a:endParaRPr lang="ru-RU" dirty="0"/>
+          </a:p>
+        </p:txBody>
+      </p:sp>
+    </p:spTree>
+  </p:cSld>
+  <p:clrMapOvr>
+    <a:masterClrMapping/>
+  </p:clrMapOvr>
+</p:sld>
+</file>
+
+<file path=ppt/slides/slide8.xml><?xml version="1.0" encoding="utf-8"?>
 <p:sld xmlns:a="http://schemas.openxmlformats.org/drawingml/2006/main" xmlns:r="http://schemas.openxmlformats.org/officeDocument/2006/relationships" xmlns:p="http://schemas.openxmlformats.org/presentationml/2006/main">
   <p:cSld>
     <p:spTree>
